--- a/Semana 07/Presentación/Presentación.pptx
+++ b/Semana 07/Presentación/Presentación.pptx
@@ -40,7 +40,9 @@
     <p:sldId id="401" r:id="rId34"/>
     <p:sldId id="355" r:id="rId35"/>
     <p:sldId id="375" r:id="rId36"/>
-    <p:sldId id="303" r:id="rId37"/>
+    <p:sldId id="402" r:id="rId37"/>
+    <p:sldId id="403" r:id="rId38"/>
+    <p:sldId id="303" r:id="rId39"/>
   </p:sldIdLst>
   <p:sldSz cx="9144000" cy="6858000" type="screen4x3"/>
   <p:notesSz cx="6858000" cy="9144000"/>
@@ -6032,6 +6034,83 @@
           </a:p>
         </p:txBody>
       </p:sp>
+      <p:pic>
+        <p:nvPicPr>
+          <p:cNvPr id="1026" name="Picture 2">
+            <a:extLst>
+              <a:ext uri="{FF2B5EF4-FFF2-40B4-BE49-F238E27FC236}">
+                <a16:creationId xmlns:a16="http://schemas.microsoft.com/office/drawing/2014/main" id="{4F2FD93E-8B7E-4F41-9D7E-4E7784FABA51}"/>
+              </a:ext>
+            </a:extLst>
+          </p:cNvPr>
+          <p:cNvPicPr>
+            <a:picLocks noChangeAspect="1" noChangeArrowheads="1"/>
+          </p:cNvPicPr>
+          <p:nvPr/>
+        </p:nvPicPr>
+        <p:blipFill>
+          <a:blip r:embed="rId2">
+            <a:extLst>
+              <a:ext uri="{28A0092B-C50C-407E-A947-70E740481C1C}">
+                <a14:useLocalDpi xmlns:a14="http://schemas.microsoft.com/office/drawing/2010/main" val="0"/>
+              </a:ext>
+            </a:extLst>
+          </a:blip>
+          <a:srcRect/>
+          <a:stretch>
+            <a:fillRect/>
+          </a:stretch>
+        </p:blipFill>
+        <p:spPr bwMode="auto">
+          <a:xfrm>
+            <a:off x="967409" y="2074714"/>
+            <a:ext cx="4465982" cy="4296388"/>
+          </a:xfrm>
+          <a:prstGeom prst="rect">
+            <a:avLst/>
+          </a:prstGeom>
+          <a:noFill/>
+          <a:extLst>
+            <a:ext uri="{909E8E84-426E-40DD-AFC4-6F175D3DCCD1}">
+              <a14:hiddenFill xmlns:a14="http://schemas.microsoft.com/office/drawing/2010/main">
+                <a:solidFill>
+                  <a:srgbClr val="FFFFFF"/>
+                </a:solidFill>
+              </a14:hiddenFill>
+            </a:ext>
+          </a:extLst>
+        </p:spPr>
+      </p:pic>
+      <p:pic>
+        <p:nvPicPr>
+          <p:cNvPr id="14" name="Imagen 13">
+            <a:extLst>
+              <a:ext uri="{FF2B5EF4-FFF2-40B4-BE49-F238E27FC236}">
+                <a16:creationId xmlns:a16="http://schemas.microsoft.com/office/drawing/2014/main" id="{1BA77716-1EBD-40CF-843F-87FBF19A1059}"/>
+              </a:ext>
+            </a:extLst>
+          </p:cNvPr>
+          <p:cNvPicPr>
+            <a:picLocks noChangeAspect="1"/>
+          </p:cNvPicPr>
+          <p:nvPr/>
+        </p:nvPicPr>
+        <p:blipFill>
+          <a:blip r:embed="rId3"/>
+          <a:stretch>
+            <a:fillRect/>
+          </a:stretch>
+        </p:blipFill>
+        <p:spPr>
+          <a:xfrm>
+            <a:off x="5693419" y="3429000"/>
+            <a:ext cx="2819491" cy="1291313"/>
+          </a:xfrm>
+          <a:prstGeom prst="rect">
+            <a:avLst/>
+          </a:prstGeom>
+        </p:spPr>
+      </p:pic>
     </p:spTree>
     <p:extLst>
       <p:ext uri="{BB962C8B-B14F-4D97-AF65-F5344CB8AC3E}">
@@ -6212,6 +6291,116 @@
           </a:p>
         </p:txBody>
       </p:sp>
+      <p:pic>
+        <p:nvPicPr>
+          <p:cNvPr id="11266" name="Picture 2">
+            <a:extLst>
+              <a:ext uri="{FF2B5EF4-FFF2-40B4-BE49-F238E27FC236}">
+                <a16:creationId xmlns:a16="http://schemas.microsoft.com/office/drawing/2014/main" id="{82624C54-3204-4F23-931F-DE2B2602DA4C}"/>
+              </a:ext>
+            </a:extLst>
+          </p:cNvPr>
+          <p:cNvPicPr>
+            <a:picLocks noChangeAspect="1" noChangeArrowheads="1"/>
+          </p:cNvPicPr>
+          <p:nvPr/>
+        </p:nvPicPr>
+        <p:blipFill>
+          <a:blip r:embed="rId3">
+            <a:extLst>
+              <a:ext uri="{28A0092B-C50C-407E-A947-70E740481C1C}">
+                <a14:useLocalDpi xmlns:a14="http://schemas.microsoft.com/office/drawing/2010/main" val="0"/>
+              </a:ext>
+            </a:extLst>
+          </a:blip>
+          <a:srcRect/>
+          <a:stretch>
+            <a:fillRect/>
+          </a:stretch>
+        </p:blipFill>
+        <p:spPr bwMode="auto">
+          <a:xfrm>
+            <a:off x="1086680" y="2342609"/>
+            <a:ext cx="4293436" cy="4028493"/>
+          </a:xfrm>
+          <a:prstGeom prst="rect">
+            <a:avLst/>
+          </a:prstGeom>
+          <a:noFill/>
+          <a:extLst>
+            <a:ext uri="{909E8E84-426E-40DD-AFC4-6F175D3DCCD1}">
+              <a14:hiddenFill xmlns:a14="http://schemas.microsoft.com/office/drawing/2010/main">
+                <a:solidFill>
+                  <a:srgbClr val="FFFFFF"/>
+                </a:solidFill>
+              </a14:hiddenFill>
+            </a:ext>
+          </a:extLst>
+        </p:spPr>
+      </p:pic>
+      <p:graphicFrame>
+        <p:nvGraphicFramePr>
+          <p:cNvPr id="5" name="Objeto 4">
+            <a:extLst>
+              <a:ext uri="{FF2B5EF4-FFF2-40B4-BE49-F238E27FC236}">
+                <a16:creationId xmlns:a16="http://schemas.microsoft.com/office/drawing/2014/main" id="{627D61C2-EAFD-4383-B3DA-65A43A6B8992}"/>
+              </a:ext>
+            </a:extLst>
+          </p:cNvPr>
+          <p:cNvGraphicFramePr>
+            <a:graphicFrameLocks noChangeAspect="1"/>
+          </p:cNvGraphicFramePr>
+          <p:nvPr>
+            <p:extLst>
+              <p:ext uri="{D42A27DB-BD31-4B8C-83A1-F6EECF244321}">
+                <p14:modId xmlns:p14="http://schemas.microsoft.com/office/powerpoint/2010/main" val="3643598833"/>
+              </p:ext>
+            </p:extLst>
+          </p:nvPr>
+        </p:nvGraphicFramePr>
+        <p:xfrm>
+          <a:off x="5693419" y="3429000"/>
+          <a:ext cx="2952750" cy="1343025"/>
+        </p:xfrm>
+        <a:graphic>
+          <a:graphicData uri="http://schemas.openxmlformats.org/presentationml/2006/ole">
+            <mc:AlternateContent xmlns:mc="http://schemas.openxmlformats.org/markup-compatibility/2006">
+              <mc:Choice xmlns:v="urn:schemas-microsoft-com:vml" Requires="v">
+                <p:oleObj spid="_x0000_s3098" name="Worksheet" r:id="rId4" imgW="2952850" imgH="1343131" progId="Excel.Sheet.12">
+                  <p:embed/>
+                </p:oleObj>
+              </mc:Choice>
+              <mc:Fallback>
+                <p:oleObj name="Worksheet" r:id="rId4" imgW="2952850" imgH="1343131" progId="Excel.Sheet.12">
+                  <p:embed/>
+                  <p:pic>
+                    <p:nvPicPr>
+                      <p:cNvPr id="0" name=""/>
+                      <p:cNvPicPr/>
+                      <p:nvPr/>
+                    </p:nvPicPr>
+                    <p:blipFill>
+                      <a:blip r:embed="rId5"/>
+                      <a:stretch>
+                        <a:fillRect/>
+                      </a:stretch>
+                    </p:blipFill>
+                    <p:spPr>
+                      <a:xfrm>
+                        <a:off x="5693419" y="3429000"/>
+                        <a:ext cx="2952750" cy="1343025"/>
+                      </a:xfrm>
+                      <a:prstGeom prst="rect">
+                        <a:avLst/>
+                      </a:prstGeom>
+                    </p:spPr>
+                  </p:pic>
+                </p:oleObj>
+              </mc:Fallback>
+            </mc:AlternateContent>
+          </a:graphicData>
+        </a:graphic>
+      </p:graphicFrame>
     </p:spTree>
     <p:extLst>
       <p:ext uri="{BB962C8B-B14F-4D97-AF65-F5344CB8AC3E}">
@@ -6392,6 +6581,116 @@
           </a:p>
         </p:txBody>
       </p:sp>
+      <p:pic>
+        <p:nvPicPr>
+          <p:cNvPr id="10242" name="Picture 2">
+            <a:extLst>
+              <a:ext uri="{FF2B5EF4-FFF2-40B4-BE49-F238E27FC236}">
+                <a16:creationId xmlns:a16="http://schemas.microsoft.com/office/drawing/2014/main" id="{83AF9C17-9A68-4221-9525-EC0291199632}"/>
+              </a:ext>
+            </a:extLst>
+          </p:cNvPr>
+          <p:cNvPicPr>
+            <a:picLocks noChangeAspect="1" noChangeArrowheads="1"/>
+          </p:cNvPicPr>
+          <p:nvPr/>
+        </p:nvPicPr>
+        <p:blipFill>
+          <a:blip r:embed="rId3">
+            <a:extLst>
+              <a:ext uri="{28A0092B-C50C-407E-A947-70E740481C1C}">
+                <a14:useLocalDpi xmlns:a14="http://schemas.microsoft.com/office/drawing/2010/main" val="0"/>
+              </a:ext>
+            </a:extLst>
+          </a:blip>
+          <a:srcRect/>
+          <a:stretch>
+            <a:fillRect/>
+          </a:stretch>
+        </p:blipFill>
+        <p:spPr bwMode="auto">
+          <a:xfrm>
+            <a:off x="967409" y="2065610"/>
+            <a:ext cx="4427905" cy="4173265"/>
+          </a:xfrm>
+          <a:prstGeom prst="rect">
+            <a:avLst/>
+          </a:prstGeom>
+          <a:noFill/>
+          <a:extLst>
+            <a:ext uri="{909E8E84-426E-40DD-AFC4-6F175D3DCCD1}">
+              <a14:hiddenFill xmlns:a14="http://schemas.microsoft.com/office/drawing/2010/main">
+                <a:solidFill>
+                  <a:srgbClr val="FFFFFF"/>
+                </a:solidFill>
+              </a14:hiddenFill>
+            </a:ext>
+          </a:extLst>
+        </p:spPr>
+      </p:pic>
+      <p:graphicFrame>
+        <p:nvGraphicFramePr>
+          <p:cNvPr id="10" name="Objeto 9">
+            <a:extLst>
+              <a:ext uri="{FF2B5EF4-FFF2-40B4-BE49-F238E27FC236}">
+                <a16:creationId xmlns:a16="http://schemas.microsoft.com/office/drawing/2014/main" id="{277B22B1-D06C-45B8-A953-EFC1B78AF4EA}"/>
+              </a:ext>
+            </a:extLst>
+          </p:cNvPr>
+          <p:cNvGraphicFramePr>
+            <a:graphicFrameLocks noChangeAspect="1"/>
+          </p:cNvGraphicFramePr>
+          <p:nvPr>
+            <p:extLst>
+              <p:ext uri="{D42A27DB-BD31-4B8C-83A1-F6EECF244321}">
+                <p14:modId xmlns:p14="http://schemas.microsoft.com/office/powerpoint/2010/main" val="2889436796"/>
+              </p:ext>
+            </p:extLst>
+          </p:nvPr>
+        </p:nvGraphicFramePr>
+        <p:xfrm>
+          <a:off x="5693419" y="3428999"/>
+          <a:ext cx="2952750" cy="1343025"/>
+        </p:xfrm>
+        <a:graphic>
+          <a:graphicData uri="http://schemas.openxmlformats.org/presentationml/2006/ole">
+            <mc:AlternateContent xmlns:mc="http://schemas.openxmlformats.org/markup-compatibility/2006">
+              <mc:Choice xmlns:v="urn:schemas-microsoft-com:vml" Requires="v">
+                <p:oleObj spid="_x0000_s1052" name="Worksheet" r:id="rId4" imgW="2952850" imgH="1343131" progId="Excel.Sheet.12">
+                  <p:embed/>
+                </p:oleObj>
+              </mc:Choice>
+              <mc:Fallback>
+                <p:oleObj name="Worksheet" r:id="rId4" imgW="2952850" imgH="1343131" progId="Excel.Sheet.12">
+                  <p:embed/>
+                  <p:pic>
+                    <p:nvPicPr>
+                      <p:cNvPr id="0" name=""/>
+                      <p:cNvPicPr/>
+                      <p:nvPr/>
+                    </p:nvPicPr>
+                    <p:blipFill>
+                      <a:blip r:embed="rId5"/>
+                      <a:stretch>
+                        <a:fillRect/>
+                      </a:stretch>
+                    </p:blipFill>
+                    <p:spPr>
+                      <a:xfrm>
+                        <a:off x="5693419" y="3428999"/>
+                        <a:ext cx="2952750" cy="1343025"/>
+                      </a:xfrm>
+                      <a:prstGeom prst="rect">
+                        <a:avLst/>
+                      </a:prstGeom>
+                    </p:spPr>
+                  </p:pic>
+                </p:oleObj>
+              </mc:Fallback>
+            </mc:AlternateContent>
+          </a:graphicData>
+        </a:graphic>
+      </p:graphicFrame>
     </p:spTree>
     <p:extLst>
       <p:ext uri="{BB962C8B-B14F-4D97-AF65-F5344CB8AC3E}">
@@ -6577,6 +6876,116 @@
           </a:p>
         </p:txBody>
       </p:sp>
+      <p:pic>
+        <p:nvPicPr>
+          <p:cNvPr id="2050" name="Picture 2">
+            <a:extLst>
+              <a:ext uri="{FF2B5EF4-FFF2-40B4-BE49-F238E27FC236}">
+                <a16:creationId xmlns:a16="http://schemas.microsoft.com/office/drawing/2014/main" id="{EBFEA03A-3D2B-4D2F-B9AE-260D89CF8537}"/>
+              </a:ext>
+            </a:extLst>
+          </p:cNvPr>
+          <p:cNvPicPr>
+            <a:picLocks noChangeAspect="1" noChangeArrowheads="1"/>
+          </p:cNvPicPr>
+          <p:nvPr/>
+        </p:nvPicPr>
+        <p:blipFill>
+          <a:blip r:embed="rId3">
+            <a:extLst>
+              <a:ext uri="{28A0092B-C50C-407E-A947-70E740481C1C}">
+                <a14:useLocalDpi xmlns:a14="http://schemas.microsoft.com/office/drawing/2010/main" val="0"/>
+              </a:ext>
+            </a:extLst>
+          </a:blip>
+          <a:srcRect/>
+          <a:stretch>
+            <a:fillRect/>
+          </a:stretch>
+        </p:blipFill>
+        <p:spPr bwMode="auto">
+          <a:xfrm>
+            <a:off x="967409" y="2065610"/>
+            <a:ext cx="4535479" cy="4296388"/>
+          </a:xfrm>
+          <a:prstGeom prst="rect">
+            <a:avLst/>
+          </a:prstGeom>
+          <a:noFill/>
+          <a:extLst>
+            <a:ext uri="{909E8E84-426E-40DD-AFC4-6F175D3DCCD1}">
+              <a14:hiddenFill xmlns:a14="http://schemas.microsoft.com/office/drawing/2010/main">
+                <a:solidFill>
+                  <a:srgbClr val="FFFFFF"/>
+                </a:solidFill>
+              </a14:hiddenFill>
+            </a:ext>
+          </a:extLst>
+        </p:spPr>
+      </p:pic>
+      <p:graphicFrame>
+        <p:nvGraphicFramePr>
+          <p:cNvPr id="10" name="Objeto 9">
+            <a:extLst>
+              <a:ext uri="{FF2B5EF4-FFF2-40B4-BE49-F238E27FC236}">
+                <a16:creationId xmlns:a16="http://schemas.microsoft.com/office/drawing/2014/main" id="{DE926266-3D9D-4788-916E-385869A836AF}"/>
+              </a:ext>
+            </a:extLst>
+          </p:cNvPr>
+          <p:cNvGraphicFramePr>
+            <a:graphicFrameLocks noChangeAspect="1"/>
+          </p:cNvGraphicFramePr>
+          <p:nvPr>
+            <p:extLst>
+              <p:ext uri="{D42A27DB-BD31-4B8C-83A1-F6EECF244321}">
+                <p14:modId xmlns:p14="http://schemas.microsoft.com/office/powerpoint/2010/main" val="3252812763"/>
+              </p:ext>
+            </p:extLst>
+          </p:nvPr>
+        </p:nvGraphicFramePr>
+        <p:xfrm>
+          <a:off x="5693419" y="3403143"/>
+          <a:ext cx="2952750" cy="1343025"/>
+        </p:xfrm>
+        <a:graphic>
+          <a:graphicData uri="http://schemas.openxmlformats.org/presentationml/2006/ole">
+            <mc:AlternateContent xmlns:mc="http://schemas.openxmlformats.org/markup-compatibility/2006">
+              <mc:Choice xmlns:v="urn:schemas-microsoft-com:vml" Requires="v">
+                <p:oleObj spid="_x0000_s2077" name="Worksheet" r:id="rId4" imgW="2952850" imgH="1343131" progId="Excel.Sheet.12">
+                  <p:embed/>
+                </p:oleObj>
+              </mc:Choice>
+              <mc:Fallback>
+                <p:oleObj name="Worksheet" r:id="rId4" imgW="2952850" imgH="1343131" progId="Excel.Sheet.12">
+                  <p:embed/>
+                  <p:pic>
+                    <p:nvPicPr>
+                      <p:cNvPr id="0" name=""/>
+                      <p:cNvPicPr/>
+                      <p:nvPr/>
+                    </p:nvPicPr>
+                    <p:blipFill>
+                      <a:blip r:embed="rId5"/>
+                      <a:stretch>
+                        <a:fillRect/>
+                      </a:stretch>
+                    </p:blipFill>
+                    <p:spPr>
+                      <a:xfrm>
+                        <a:off x="5693419" y="3403143"/>
+                        <a:ext cx="2952750" cy="1343025"/>
+                      </a:xfrm>
+                      <a:prstGeom prst="rect">
+                        <a:avLst/>
+                      </a:prstGeom>
+                    </p:spPr>
+                  </p:pic>
+                </p:oleObj>
+              </mc:Fallback>
+            </mc:AlternateContent>
+          </a:graphicData>
+        </a:graphic>
+      </p:graphicFrame>
     </p:spTree>
     <p:extLst>
       <p:ext uri="{BB962C8B-B14F-4D97-AF65-F5344CB8AC3E}">
@@ -6991,6 +7400,116 @@
           </a:p>
         </p:txBody>
       </p:sp>
+      <p:pic>
+        <p:nvPicPr>
+          <p:cNvPr id="2" name="Picture 2">
+            <a:extLst>
+              <a:ext uri="{FF2B5EF4-FFF2-40B4-BE49-F238E27FC236}">
+                <a16:creationId xmlns:a16="http://schemas.microsoft.com/office/drawing/2014/main" id="{5945E787-AE50-4E17-A84A-DED1E46C4A93}"/>
+              </a:ext>
+            </a:extLst>
+          </p:cNvPr>
+          <p:cNvPicPr>
+            <a:picLocks noChangeAspect="1" noChangeArrowheads="1"/>
+          </p:cNvPicPr>
+          <p:nvPr/>
+        </p:nvPicPr>
+        <p:blipFill>
+          <a:blip r:embed="rId3">
+            <a:extLst>
+              <a:ext uri="{28A0092B-C50C-407E-A947-70E740481C1C}">
+                <a14:useLocalDpi xmlns:a14="http://schemas.microsoft.com/office/drawing/2010/main" val="0"/>
+              </a:ext>
+            </a:extLst>
+          </a:blip>
+          <a:srcRect/>
+          <a:stretch>
+            <a:fillRect/>
+          </a:stretch>
+        </p:blipFill>
+        <p:spPr bwMode="auto">
+          <a:xfrm>
+            <a:off x="967409" y="2087166"/>
+            <a:ext cx="4548454" cy="4260578"/>
+          </a:xfrm>
+          <a:prstGeom prst="rect">
+            <a:avLst/>
+          </a:prstGeom>
+          <a:noFill/>
+          <a:extLst>
+            <a:ext uri="{909E8E84-426E-40DD-AFC4-6F175D3DCCD1}">
+              <a14:hiddenFill xmlns:a14="http://schemas.microsoft.com/office/drawing/2010/main">
+                <a:solidFill>
+                  <a:srgbClr val="FFFFFF"/>
+                </a:solidFill>
+              </a14:hiddenFill>
+            </a:ext>
+          </a:extLst>
+        </p:spPr>
+      </p:pic>
+      <p:graphicFrame>
+        <p:nvGraphicFramePr>
+          <p:cNvPr id="8" name="Objeto 7">
+            <a:extLst>
+              <a:ext uri="{FF2B5EF4-FFF2-40B4-BE49-F238E27FC236}">
+                <a16:creationId xmlns:a16="http://schemas.microsoft.com/office/drawing/2014/main" id="{28D2C33A-E3F5-4D41-99C8-38AE7D7FFEBA}"/>
+              </a:ext>
+            </a:extLst>
+          </p:cNvPr>
+          <p:cNvGraphicFramePr>
+            <a:graphicFrameLocks noChangeAspect="1"/>
+          </p:cNvGraphicFramePr>
+          <p:nvPr>
+            <p:extLst>
+              <p:ext uri="{D42A27DB-BD31-4B8C-83A1-F6EECF244321}">
+                <p14:modId xmlns:p14="http://schemas.microsoft.com/office/powerpoint/2010/main" val="898751330"/>
+              </p:ext>
+            </p:extLst>
+          </p:nvPr>
+        </p:nvGraphicFramePr>
+        <p:xfrm>
+          <a:off x="5693419" y="3429000"/>
+          <a:ext cx="2952750" cy="1343025"/>
+        </p:xfrm>
+        <a:graphic>
+          <a:graphicData uri="http://schemas.openxmlformats.org/presentationml/2006/ole">
+            <mc:AlternateContent xmlns:mc="http://schemas.openxmlformats.org/markup-compatibility/2006">
+              <mc:Choice xmlns:v="urn:schemas-microsoft-com:vml" Requires="v">
+                <p:oleObj spid="_x0000_s4120" name="Worksheet" r:id="rId4" imgW="2952850" imgH="1343131" progId="Excel.Sheet.12">
+                  <p:embed/>
+                </p:oleObj>
+              </mc:Choice>
+              <mc:Fallback>
+                <p:oleObj name="Worksheet" r:id="rId4" imgW="2952850" imgH="1343131" progId="Excel.Sheet.12">
+                  <p:embed/>
+                  <p:pic>
+                    <p:nvPicPr>
+                      <p:cNvPr id="0" name=""/>
+                      <p:cNvPicPr/>
+                      <p:nvPr/>
+                    </p:nvPicPr>
+                    <p:blipFill>
+                      <a:blip r:embed="rId5"/>
+                      <a:stretch>
+                        <a:fillRect/>
+                      </a:stretch>
+                    </p:blipFill>
+                    <p:spPr>
+                      <a:xfrm>
+                        <a:off x="5693419" y="3429000"/>
+                        <a:ext cx="2952750" cy="1343025"/>
+                      </a:xfrm>
+                      <a:prstGeom prst="rect">
+                        <a:avLst/>
+                      </a:prstGeom>
+                    </p:spPr>
+                  </p:pic>
+                </p:oleObj>
+              </mc:Fallback>
+            </mc:AlternateContent>
+          </a:graphicData>
+        </a:graphic>
+      </p:graphicFrame>
     </p:spTree>
     <p:extLst>
       <p:ext uri="{BB962C8B-B14F-4D97-AF65-F5344CB8AC3E}">
@@ -7179,6 +7698,116 @@
           </a:p>
         </p:txBody>
       </p:sp>
+      <p:pic>
+        <p:nvPicPr>
+          <p:cNvPr id="5122" name="Picture 2">
+            <a:extLst>
+              <a:ext uri="{FF2B5EF4-FFF2-40B4-BE49-F238E27FC236}">
+                <a16:creationId xmlns:a16="http://schemas.microsoft.com/office/drawing/2014/main" id="{6134ECA5-A3C5-4E9B-8A43-D58535993F51}"/>
+              </a:ext>
+            </a:extLst>
+          </p:cNvPr>
+          <p:cNvPicPr>
+            <a:picLocks noChangeAspect="1" noChangeArrowheads="1"/>
+          </p:cNvPicPr>
+          <p:nvPr/>
+        </p:nvPicPr>
+        <p:blipFill>
+          <a:blip r:embed="rId3">
+            <a:extLst>
+              <a:ext uri="{28A0092B-C50C-407E-A947-70E740481C1C}">
+                <a14:useLocalDpi xmlns:a14="http://schemas.microsoft.com/office/drawing/2010/main" val="0"/>
+              </a:ext>
+            </a:extLst>
+          </a:blip>
+          <a:srcRect/>
+          <a:stretch>
+            <a:fillRect/>
+          </a:stretch>
+        </p:blipFill>
+        <p:spPr bwMode="auto">
+          <a:xfrm>
+            <a:off x="967409" y="2087166"/>
+            <a:ext cx="4497943" cy="4201840"/>
+          </a:xfrm>
+          <a:prstGeom prst="rect">
+            <a:avLst/>
+          </a:prstGeom>
+          <a:noFill/>
+          <a:extLst>
+            <a:ext uri="{909E8E84-426E-40DD-AFC4-6F175D3DCCD1}">
+              <a14:hiddenFill xmlns:a14="http://schemas.microsoft.com/office/drawing/2010/main">
+                <a:solidFill>
+                  <a:srgbClr val="FFFFFF"/>
+                </a:solidFill>
+              </a14:hiddenFill>
+            </a:ext>
+          </a:extLst>
+        </p:spPr>
+      </p:pic>
+      <p:graphicFrame>
+        <p:nvGraphicFramePr>
+          <p:cNvPr id="3" name="Objeto 2">
+            <a:extLst>
+              <a:ext uri="{FF2B5EF4-FFF2-40B4-BE49-F238E27FC236}">
+                <a16:creationId xmlns:a16="http://schemas.microsoft.com/office/drawing/2014/main" id="{C9E54273-40A2-4D38-948D-F575126BC722}"/>
+              </a:ext>
+            </a:extLst>
+          </p:cNvPr>
+          <p:cNvGraphicFramePr>
+            <a:graphicFrameLocks noChangeAspect="1"/>
+          </p:cNvGraphicFramePr>
+          <p:nvPr>
+            <p:extLst>
+              <p:ext uri="{D42A27DB-BD31-4B8C-83A1-F6EECF244321}">
+                <p14:modId xmlns:p14="http://schemas.microsoft.com/office/powerpoint/2010/main" val="3215259103"/>
+              </p:ext>
+            </p:extLst>
+          </p:nvPr>
+        </p:nvGraphicFramePr>
+        <p:xfrm>
+          <a:off x="5693419" y="3449366"/>
+          <a:ext cx="2952750" cy="1343025"/>
+        </p:xfrm>
+        <a:graphic>
+          <a:graphicData uri="http://schemas.openxmlformats.org/presentationml/2006/ole">
+            <mc:AlternateContent xmlns:mc="http://schemas.openxmlformats.org/markup-compatibility/2006">
+              <mc:Choice xmlns:v="urn:schemas-microsoft-com:vml" Requires="v">
+                <p:oleObj spid="_x0000_s5141" name="Worksheet" r:id="rId4" imgW="2952850" imgH="1343131" progId="Excel.Sheet.12">
+                  <p:embed/>
+                </p:oleObj>
+              </mc:Choice>
+              <mc:Fallback>
+                <p:oleObj name="Worksheet" r:id="rId4" imgW="2952850" imgH="1343131" progId="Excel.Sheet.12">
+                  <p:embed/>
+                  <p:pic>
+                    <p:nvPicPr>
+                      <p:cNvPr id="0" name=""/>
+                      <p:cNvPicPr/>
+                      <p:nvPr/>
+                    </p:nvPicPr>
+                    <p:blipFill>
+                      <a:blip r:embed="rId5"/>
+                      <a:stretch>
+                        <a:fillRect/>
+                      </a:stretch>
+                    </p:blipFill>
+                    <p:spPr>
+                      <a:xfrm>
+                        <a:off x="5693419" y="3449366"/>
+                        <a:ext cx="2952750" cy="1343025"/>
+                      </a:xfrm>
+                      <a:prstGeom prst="rect">
+                        <a:avLst/>
+                      </a:prstGeom>
+                    </p:spPr>
+                  </p:pic>
+                </p:oleObj>
+              </mc:Fallback>
+            </mc:AlternateContent>
+          </a:graphicData>
+        </a:graphic>
+      </p:graphicFrame>
     </p:spTree>
     <p:extLst>
       <p:ext uri="{BB962C8B-B14F-4D97-AF65-F5344CB8AC3E}">
@@ -7367,6 +7996,116 @@
           </a:p>
         </p:txBody>
       </p:sp>
+      <p:pic>
+        <p:nvPicPr>
+          <p:cNvPr id="6146" name="Picture 2">
+            <a:extLst>
+              <a:ext uri="{FF2B5EF4-FFF2-40B4-BE49-F238E27FC236}">
+                <a16:creationId xmlns:a16="http://schemas.microsoft.com/office/drawing/2014/main" id="{898BC3D2-E59D-4705-B8B6-ED825760F7EB}"/>
+              </a:ext>
+            </a:extLst>
+          </p:cNvPr>
+          <p:cNvPicPr>
+            <a:picLocks noChangeAspect="1" noChangeArrowheads="1"/>
+          </p:cNvPicPr>
+          <p:nvPr/>
+        </p:nvPicPr>
+        <p:blipFill>
+          <a:blip r:embed="rId3">
+            <a:extLst>
+              <a:ext uri="{28A0092B-C50C-407E-A947-70E740481C1C}">
+                <a14:useLocalDpi xmlns:a14="http://schemas.microsoft.com/office/drawing/2010/main" val="0"/>
+              </a:ext>
+            </a:extLst>
+          </a:blip>
+          <a:srcRect/>
+          <a:stretch>
+            <a:fillRect/>
+          </a:stretch>
+        </p:blipFill>
+        <p:spPr bwMode="auto">
+          <a:xfrm>
+            <a:off x="967409" y="2087166"/>
+            <a:ext cx="4460552" cy="4208859"/>
+          </a:xfrm>
+          <a:prstGeom prst="rect">
+            <a:avLst/>
+          </a:prstGeom>
+          <a:noFill/>
+          <a:extLst>
+            <a:ext uri="{909E8E84-426E-40DD-AFC4-6F175D3DCCD1}">
+              <a14:hiddenFill xmlns:a14="http://schemas.microsoft.com/office/drawing/2010/main">
+                <a:solidFill>
+                  <a:srgbClr val="FFFFFF"/>
+                </a:solidFill>
+              </a14:hiddenFill>
+            </a:ext>
+          </a:extLst>
+        </p:spPr>
+      </p:pic>
+      <p:graphicFrame>
+        <p:nvGraphicFramePr>
+          <p:cNvPr id="3" name="Objeto 2">
+            <a:extLst>
+              <a:ext uri="{FF2B5EF4-FFF2-40B4-BE49-F238E27FC236}">
+                <a16:creationId xmlns:a16="http://schemas.microsoft.com/office/drawing/2014/main" id="{4A9103B3-AA78-4434-BE45-2511EA5756F4}"/>
+              </a:ext>
+            </a:extLst>
+          </p:cNvPr>
+          <p:cNvGraphicFramePr>
+            <a:graphicFrameLocks noChangeAspect="1"/>
+          </p:cNvGraphicFramePr>
+          <p:nvPr>
+            <p:extLst>
+              <p:ext uri="{D42A27DB-BD31-4B8C-83A1-F6EECF244321}">
+                <p14:modId xmlns:p14="http://schemas.microsoft.com/office/powerpoint/2010/main" val="2531192162"/>
+              </p:ext>
+            </p:extLst>
+          </p:nvPr>
+        </p:nvGraphicFramePr>
+        <p:xfrm>
+          <a:off x="5706671" y="3429000"/>
+          <a:ext cx="2952750" cy="1343025"/>
+        </p:xfrm>
+        <a:graphic>
+          <a:graphicData uri="http://schemas.openxmlformats.org/presentationml/2006/ole">
+            <mc:AlternateContent xmlns:mc="http://schemas.openxmlformats.org/markup-compatibility/2006">
+              <mc:Choice xmlns:v="urn:schemas-microsoft-com:vml" Requires="v">
+                <p:oleObj spid="_x0000_s6161" name="Worksheet" r:id="rId4" imgW="2952850" imgH="1343131" progId="Excel.Sheet.12">
+                  <p:embed/>
+                </p:oleObj>
+              </mc:Choice>
+              <mc:Fallback>
+                <p:oleObj name="Worksheet" r:id="rId4" imgW="2952850" imgH="1343131" progId="Excel.Sheet.12">
+                  <p:embed/>
+                  <p:pic>
+                    <p:nvPicPr>
+                      <p:cNvPr id="0" name=""/>
+                      <p:cNvPicPr/>
+                      <p:nvPr/>
+                    </p:nvPicPr>
+                    <p:blipFill>
+                      <a:blip r:embed="rId5"/>
+                      <a:stretch>
+                        <a:fillRect/>
+                      </a:stretch>
+                    </p:blipFill>
+                    <p:spPr>
+                      <a:xfrm>
+                        <a:off x="5706671" y="3429000"/>
+                        <a:ext cx="2952750" cy="1343025"/>
+                      </a:xfrm>
+                      <a:prstGeom prst="rect">
+                        <a:avLst/>
+                      </a:prstGeom>
+                    </p:spPr>
+                  </p:pic>
+                </p:oleObj>
+              </mc:Fallback>
+            </mc:AlternateContent>
+          </a:graphicData>
+        </a:graphic>
+      </p:graphicFrame>
     </p:spTree>
     <p:extLst>
       <p:ext uri="{BB962C8B-B14F-4D97-AF65-F5344CB8AC3E}">
@@ -7555,6 +8294,116 @@
           </a:p>
         </p:txBody>
       </p:sp>
+      <p:pic>
+        <p:nvPicPr>
+          <p:cNvPr id="7170" name="Picture 2">
+            <a:extLst>
+              <a:ext uri="{FF2B5EF4-FFF2-40B4-BE49-F238E27FC236}">
+                <a16:creationId xmlns:a16="http://schemas.microsoft.com/office/drawing/2014/main" id="{E4E5085B-14A5-4916-BFA6-E8A06672F15D}"/>
+              </a:ext>
+            </a:extLst>
+          </p:cNvPr>
+          <p:cNvPicPr>
+            <a:picLocks noChangeAspect="1" noChangeArrowheads="1"/>
+          </p:cNvPicPr>
+          <p:nvPr/>
+        </p:nvPicPr>
+        <p:blipFill>
+          <a:blip r:embed="rId3">
+            <a:extLst>
+              <a:ext uri="{28A0092B-C50C-407E-A947-70E740481C1C}">
+                <a14:useLocalDpi xmlns:a14="http://schemas.microsoft.com/office/drawing/2010/main" val="0"/>
+              </a:ext>
+            </a:extLst>
+          </a:blip>
+          <a:srcRect/>
+          <a:stretch>
+            <a:fillRect/>
+          </a:stretch>
+        </p:blipFill>
+        <p:spPr bwMode="auto">
+          <a:xfrm>
+            <a:off x="967409" y="2087166"/>
+            <a:ext cx="4505327" cy="4187553"/>
+          </a:xfrm>
+          <a:prstGeom prst="rect">
+            <a:avLst/>
+          </a:prstGeom>
+          <a:noFill/>
+          <a:extLst>
+            <a:ext uri="{909E8E84-426E-40DD-AFC4-6F175D3DCCD1}">
+              <a14:hiddenFill xmlns:a14="http://schemas.microsoft.com/office/drawing/2010/main">
+                <a:solidFill>
+                  <a:srgbClr val="FFFFFF"/>
+                </a:solidFill>
+              </a14:hiddenFill>
+            </a:ext>
+          </a:extLst>
+        </p:spPr>
+      </p:pic>
+      <p:graphicFrame>
+        <p:nvGraphicFramePr>
+          <p:cNvPr id="3" name="Objeto 2">
+            <a:extLst>
+              <a:ext uri="{FF2B5EF4-FFF2-40B4-BE49-F238E27FC236}">
+                <a16:creationId xmlns:a16="http://schemas.microsoft.com/office/drawing/2014/main" id="{6F574970-D547-4B30-A712-18CA6ECFC0FB}"/>
+              </a:ext>
+            </a:extLst>
+          </p:cNvPr>
+          <p:cNvGraphicFramePr>
+            <a:graphicFrameLocks noChangeAspect="1"/>
+          </p:cNvGraphicFramePr>
+          <p:nvPr>
+            <p:extLst>
+              <p:ext uri="{D42A27DB-BD31-4B8C-83A1-F6EECF244321}">
+                <p14:modId xmlns:p14="http://schemas.microsoft.com/office/powerpoint/2010/main" val="513829768"/>
+              </p:ext>
+            </p:extLst>
+          </p:nvPr>
+        </p:nvGraphicFramePr>
+        <p:xfrm>
+          <a:off x="5693419" y="3429000"/>
+          <a:ext cx="2952750" cy="1343025"/>
+        </p:xfrm>
+        <a:graphic>
+          <a:graphicData uri="http://schemas.openxmlformats.org/presentationml/2006/ole">
+            <mc:AlternateContent xmlns:mc="http://schemas.openxmlformats.org/markup-compatibility/2006">
+              <mc:Choice xmlns:v="urn:schemas-microsoft-com:vml" Requires="v">
+                <p:oleObj spid="_x0000_s7183" name="Worksheet" r:id="rId4" imgW="2952850" imgH="1343131" progId="Excel.Sheet.12">
+                  <p:embed/>
+                </p:oleObj>
+              </mc:Choice>
+              <mc:Fallback>
+                <p:oleObj name="Worksheet" r:id="rId4" imgW="2952850" imgH="1343131" progId="Excel.Sheet.12">
+                  <p:embed/>
+                  <p:pic>
+                    <p:nvPicPr>
+                      <p:cNvPr id="0" name=""/>
+                      <p:cNvPicPr/>
+                      <p:nvPr/>
+                    </p:nvPicPr>
+                    <p:blipFill>
+                      <a:blip r:embed="rId5"/>
+                      <a:stretch>
+                        <a:fillRect/>
+                      </a:stretch>
+                    </p:blipFill>
+                    <p:spPr>
+                      <a:xfrm>
+                        <a:off x="5693419" y="3429000"/>
+                        <a:ext cx="2952750" cy="1343025"/>
+                      </a:xfrm>
+                      <a:prstGeom prst="rect">
+                        <a:avLst/>
+                      </a:prstGeom>
+                    </p:spPr>
+                  </p:pic>
+                </p:oleObj>
+              </mc:Fallback>
+            </mc:AlternateContent>
+          </a:graphicData>
+        </a:graphic>
+      </p:graphicFrame>
     </p:spTree>
     <p:extLst>
       <p:ext uri="{BB962C8B-B14F-4D97-AF65-F5344CB8AC3E}">
@@ -7743,6 +8592,116 @@
           </a:p>
         </p:txBody>
       </p:sp>
+      <p:pic>
+        <p:nvPicPr>
+          <p:cNvPr id="8194" name="Picture 2">
+            <a:extLst>
+              <a:ext uri="{FF2B5EF4-FFF2-40B4-BE49-F238E27FC236}">
+                <a16:creationId xmlns:a16="http://schemas.microsoft.com/office/drawing/2014/main" id="{AF03E2FC-EF47-4876-B6E0-52C4E6DFC2F3}"/>
+              </a:ext>
+            </a:extLst>
+          </p:cNvPr>
+          <p:cNvPicPr>
+            <a:picLocks noChangeAspect="1" noChangeArrowheads="1"/>
+          </p:cNvPicPr>
+          <p:nvPr/>
+        </p:nvPicPr>
+        <p:blipFill>
+          <a:blip r:embed="rId3">
+            <a:extLst>
+              <a:ext uri="{28A0092B-C50C-407E-A947-70E740481C1C}">
+                <a14:useLocalDpi xmlns:a14="http://schemas.microsoft.com/office/drawing/2010/main" val="0"/>
+              </a:ext>
+            </a:extLst>
+          </a:blip>
+          <a:srcRect/>
+          <a:stretch>
+            <a:fillRect/>
+          </a:stretch>
+        </p:blipFill>
+        <p:spPr bwMode="auto">
+          <a:xfrm>
+            <a:off x="967409" y="2342609"/>
+            <a:ext cx="4337188" cy="4010879"/>
+          </a:xfrm>
+          <a:prstGeom prst="rect">
+            <a:avLst/>
+          </a:prstGeom>
+          <a:noFill/>
+          <a:extLst>
+            <a:ext uri="{909E8E84-426E-40DD-AFC4-6F175D3DCCD1}">
+              <a14:hiddenFill xmlns:a14="http://schemas.microsoft.com/office/drawing/2010/main">
+                <a:solidFill>
+                  <a:srgbClr val="FFFFFF"/>
+                </a:solidFill>
+              </a14:hiddenFill>
+            </a:ext>
+          </a:extLst>
+        </p:spPr>
+      </p:pic>
+      <p:graphicFrame>
+        <p:nvGraphicFramePr>
+          <p:cNvPr id="3" name="Objeto 2">
+            <a:extLst>
+              <a:ext uri="{FF2B5EF4-FFF2-40B4-BE49-F238E27FC236}">
+                <a16:creationId xmlns:a16="http://schemas.microsoft.com/office/drawing/2014/main" id="{04137152-AFCF-42BF-83EF-8F7395D5CDCC}"/>
+              </a:ext>
+            </a:extLst>
+          </p:cNvPr>
+          <p:cNvGraphicFramePr>
+            <a:graphicFrameLocks noChangeAspect="1"/>
+          </p:cNvGraphicFramePr>
+          <p:nvPr>
+            <p:extLst>
+              <p:ext uri="{D42A27DB-BD31-4B8C-83A1-F6EECF244321}">
+                <p14:modId xmlns:p14="http://schemas.microsoft.com/office/powerpoint/2010/main" val="3194592947"/>
+              </p:ext>
+            </p:extLst>
+          </p:nvPr>
+        </p:nvGraphicFramePr>
+        <p:xfrm>
+          <a:off x="5693419" y="3403143"/>
+          <a:ext cx="2952750" cy="1343025"/>
+        </p:xfrm>
+        <a:graphic>
+          <a:graphicData uri="http://schemas.openxmlformats.org/presentationml/2006/ole">
+            <mc:AlternateContent xmlns:mc="http://schemas.openxmlformats.org/markup-compatibility/2006">
+              <mc:Choice xmlns:v="urn:schemas-microsoft-com:vml" Requires="v">
+                <p:oleObj spid="_x0000_s8206" name="Worksheet" r:id="rId4" imgW="2952850" imgH="1343131" progId="Excel.Sheet.12">
+                  <p:embed/>
+                </p:oleObj>
+              </mc:Choice>
+              <mc:Fallback>
+                <p:oleObj name="Worksheet" r:id="rId4" imgW="2952850" imgH="1343131" progId="Excel.Sheet.12">
+                  <p:embed/>
+                  <p:pic>
+                    <p:nvPicPr>
+                      <p:cNvPr id="0" name=""/>
+                      <p:cNvPicPr/>
+                      <p:nvPr/>
+                    </p:nvPicPr>
+                    <p:blipFill>
+                      <a:blip r:embed="rId5"/>
+                      <a:stretch>
+                        <a:fillRect/>
+                      </a:stretch>
+                    </p:blipFill>
+                    <p:spPr>
+                      <a:xfrm>
+                        <a:off x="5693419" y="3403143"/>
+                        <a:ext cx="2952750" cy="1343025"/>
+                      </a:xfrm>
+                      <a:prstGeom prst="rect">
+                        <a:avLst/>
+                      </a:prstGeom>
+                    </p:spPr>
+                  </p:pic>
+                </p:oleObj>
+              </mc:Fallback>
+            </mc:AlternateContent>
+          </a:graphicData>
+        </a:graphic>
+      </p:graphicFrame>
     </p:spTree>
     <p:extLst>
       <p:ext uri="{BB962C8B-B14F-4D97-AF65-F5344CB8AC3E}">
@@ -7942,6 +8901,42 @@
           </a:p>
         </p:txBody>
       </p:sp>
+      <p:pic>
+        <p:nvPicPr>
+          <p:cNvPr id="3" name="Imagen 2">
+            <a:extLst>
+              <a:ext uri="{FF2B5EF4-FFF2-40B4-BE49-F238E27FC236}">
+                <a16:creationId xmlns:a16="http://schemas.microsoft.com/office/drawing/2014/main" id="{3F87642C-87E6-40AC-9C48-91B8559690E2}"/>
+              </a:ext>
+            </a:extLst>
+          </p:cNvPr>
+          <p:cNvPicPr>
+            <a:picLocks noChangeAspect="1"/>
+          </p:cNvPicPr>
+          <p:nvPr/>
+        </p:nvPicPr>
+        <p:blipFill>
+          <a:blip r:embed="rId2">
+            <a:extLst>
+              <a:ext uri="{28A0092B-C50C-407E-A947-70E740481C1C}">
+                <a14:useLocalDpi xmlns:a14="http://schemas.microsoft.com/office/drawing/2010/main" val="0"/>
+              </a:ext>
+            </a:extLst>
+          </a:blip>
+          <a:stretch>
+            <a:fillRect/>
+          </a:stretch>
+        </p:blipFill>
+        <p:spPr>
+          <a:xfrm>
+            <a:off x="950015" y="1695864"/>
+            <a:ext cx="5600700" cy="4552950"/>
+          </a:xfrm>
+          <a:prstGeom prst="rect">
+            <a:avLst/>
+          </a:prstGeom>
+        </p:spPr>
+      </p:pic>
     </p:spTree>
     <p:extLst>
       <p:ext uri="{BB962C8B-B14F-4D97-AF65-F5344CB8AC3E}">
@@ -8093,6 +9088,35 @@
           </a:p>
         </p:txBody>
       </p:sp>
+      <p:pic>
+        <p:nvPicPr>
+          <p:cNvPr id="2" name="Imagen 1">
+            <a:extLst>
+              <a:ext uri="{FF2B5EF4-FFF2-40B4-BE49-F238E27FC236}">
+                <a16:creationId xmlns:a16="http://schemas.microsoft.com/office/drawing/2014/main" id="{5F2F18BD-4C10-49F8-8C8B-331E67999F14}"/>
+              </a:ext>
+            </a:extLst>
+          </p:cNvPr>
+          <p:cNvPicPr>
+            <a:picLocks noChangeAspect="1"/>
+          </p:cNvPicPr>
+          <p:nvPr/>
+        </p:nvPicPr>
+        <p:blipFill rotWithShape="1">
+          <a:blip r:embed="rId2"/>
+          <a:srcRect l="16956" t="15522" r="8986" b="16167"/>
+          <a:stretch/>
+        </p:blipFill>
+        <p:spPr>
+          <a:xfrm>
+            <a:off x="878572" y="1801416"/>
+            <a:ext cx="7386856" cy="3830758"/>
+          </a:xfrm>
+          <a:prstGeom prst="rect">
+            <a:avLst/>
+          </a:prstGeom>
+        </p:spPr>
+      </p:pic>
     </p:spTree>
     <p:extLst>
       <p:ext uri="{BB962C8B-B14F-4D97-AF65-F5344CB8AC3E}">
@@ -10632,6 +11656,36 @@
           </a:p>
         </p:txBody>
       </p:sp>
+      <p:pic>
+        <p:nvPicPr>
+          <p:cNvPr id="7" name="Imagen 6">
+            <a:extLst>
+              <a:ext uri="{FF2B5EF4-FFF2-40B4-BE49-F238E27FC236}">
+                <a16:creationId xmlns:a16="http://schemas.microsoft.com/office/drawing/2014/main" id="{36406A71-43F5-4309-8F47-461A79EAB735}"/>
+              </a:ext>
+            </a:extLst>
+          </p:cNvPr>
+          <p:cNvPicPr>
+            <a:picLocks noChangeAspect="1"/>
+          </p:cNvPicPr>
+          <p:nvPr/>
+        </p:nvPicPr>
+        <p:blipFill>
+          <a:blip r:embed="rId2"/>
+          <a:stretch>
+            <a:fillRect/>
+          </a:stretch>
+        </p:blipFill>
+        <p:spPr>
+          <a:xfrm>
+            <a:off x="1485900" y="1646853"/>
+            <a:ext cx="6172200" cy="3995105"/>
+          </a:xfrm>
+          <a:prstGeom prst="rect">
+            <a:avLst/>
+          </a:prstGeom>
+        </p:spPr>
+      </p:pic>
     </p:spTree>
     <p:extLst>
       <p:ext uri="{BB962C8B-B14F-4D97-AF65-F5344CB8AC3E}">
@@ -10654,6 +11708,356 @@
 </file>
 
 <file path=ppt/slides/slide36.xml><?xml version="1.0" encoding="utf-8"?>
+<p:sld xmlns:a="http://schemas.openxmlformats.org/drawingml/2006/main" xmlns:r="http://schemas.openxmlformats.org/officeDocument/2006/relationships" xmlns:p="http://schemas.openxmlformats.org/presentationml/2006/main">
+  <p:cSld>
+    <p:spTree>
+      <p:nvGrpSpPr>
+        <p:cNvPr id="1" name=""/>
+        <p:cNvGrpSpPr/>
+        <p:nvPr/>
+      </p:nvGrpSpPr>
+      <p:grpSpPr>
+        <a:xfrm>
+          <a:off x="0" y="0"/>
+          <a:ext cx="0" cy="0"/>
+          <a:chOff x="0" y="0"/>
+          <a:chExt cx="0" cy="0"/>
+        </a:xfrm>
+      </p:grpSpPr>
+      <p:sp>
+        <p:nvSpPr>
+          <p:cNvPr id="4098" name="3 Título">
+            <a:extLst>
+              <a:ext uri="{FF2B5EF4-FFF2-40B4-BE49-F238E27FC236}">
+                <a16:creationId xmlns:a16="http://schemas.microsoft.com/office/drawing/2014/main" id="{9CFA67AC-1DBD-4338-B4F5-A1E8C7800943}"/>
+              </a:ext>
+            </a:extLst>
+          </p:cNvPr>
+          <p:cNvSpPr>
+            <a:spLocks noGrp="1"/>
+          </p:cNvSpPr>
+          <p:nvPr>
+            <p:ph type="title"/>
+          </p:nvPr>
+        </p:nvSpPr>
+        <p:spPr>
+          <a:xfrm>
+            <a:off x="1485900" y="944166"/>
+            <a:ext cx="6172200" cy="857250"/>
+          </a:xfrm>
+        </p:spPr>
+        <p:txBody>
+          <a:bodyPr/>
+          <a:lstStyle/>
+          <a:p>
+            <a:pPr>
+              <a:lnSpc>
+                <a:spcPts val="3000"/>
+              </a:lnSpc>
+            </a:pPr>
+            <a:r>
+              <a:rPr lang="es-PE" altLang="es-PE" sz="2700" dirty="0">
+                <a:solidFill>
+                  <a:srgbClr val="18A8A4"/>
+                </a:solidFill>
+                <a:latin typeface="Century" panose="02040604050505020304" pitchFamily="18" charset="0"/>
+              </a:rPr>
+              <a:t>Resultados</a:t>
+            </a:r>
+          </a:p>
+        </p:txBody>
+      </p:sp>
+      <p:sp>
+        <p:nvSpPr>
+          <p:cNvPr id="6" name="3 Título">
+            <a:extLst>
+              <a:ext uri="{FF2B5EF4-FFF2-40B4-BE49-F238E27FC236}">
+                <a16:creationId xmlns:a16="http://schemas.microsoft.com/office/drawing/2014/main" id="{1C06D7BF-198C-4F86-A060-1AB2E350E11B}"/>
+              </a:ext>
+            </a:extLst>
+          </p:cNvPr>
+          <p:cNvSpPr txBox="1">
+            <a:spLocks/>
+          </p:cNvSpPr>
+          <p:nvPr/>
+        </p:nvSpPr>
+        <p:spPr>
+          <a:xfrm>
+            <a:off x="457200" y="115888"/>
+            <a:ext cx="8229600" cy="1143000"/>
+          </a:xfrm>
+          <a:prstGeom prst="rect">
+            <a:avLst/>
+          </a:prstGeom>
+        </p:spPr>
+        <p:txBody>
+          <a:bodyPr vert="horz" lIns="91440" tIns="45720" rIns="91440" bIns="45720" rtlCol="0" anchor="ctr">
+            <a:normAutofit/>
+          </a:bodyPr>
+          <a:lstStyle>
+            <a:lvl1pPr algn="l" defTabSz="914400" rtl="0" eaLnBrk="1" latinLnBrk="0" hangingPunct="1">
+              <a:lnSpc>
+                <a:spcPct val="90000"/>
+              </a:lnSpc>
+              <a:spcBef>
+                <a:spcPct val="0"/>
+              </a:spcBef>
+              <a:buNone/>
+              <a:defRPr sz="4400" kern="1200">
+                <a:solidFill>
+                  <a:schemeClr val="tx1"/>
+                </a:solidFill>
+                <a:latin typeface="+mj-lt"/>
+                <a:ea typeface="+mj-ea"/>
+                <a:cs typeface="+mj-cs"/>
+              </a:defRPr>
+            </a:lvl1pPr>
+          </a:lstStyle>
+          <a:p>
+            <a:pPr>
+              <a:lnSpc>
+                <a:spcPts val="4000"/>
+              </a:lnSpc>
+            </a:pPr>
+            <a:r>
+              <a:rPr lang="es-PE" altLang="es-PE" sz="3600" dirty="0">
+                <a:solidFill>
+                  <a:srgbClr val="18A8A4"/>
+                </a:solidFill>
+                <a:latin typeface="Century" panose="02040604050505020304" pitchFamily="18" charset="0"/>
+              </a:rPr>
+              <a:t>5. Modelos referenciales - resultados</a:t>
+            </a:r>
+          </a:p>
+        </p:txBody>
+      </p:sp>
+      <p:pic>
+        <p:nvPicPr>
+          <p:cNvPr id="5" name="Imagen 4">
+            <a:extLst>
+              <a:ext uri="{FF2B5EF4-FFF2-40B4-BE49-F238E27FC236}">
+                <a16:creationId xmlns:a16="http://schemas.microsoft.com/office/drawing/2014/main" id="{6E2EAFC7-27FA-4F24-8600-926EB9F239F2}"/>
+              </a:ext>
+            </a:extLst>
+          </p:cNvPr>
+          <p:cNvPicPr>
+            <a:picLocks noChangeAspect="1"/>
+          </p:cNvPicPr>
+          <p:nvPr/>
+        </p:nvPicPr>
+        <p:blipFill>
+          <a:blip r:embed="rId2"/>
+          <a:stretch>
+            <a:fillRect/>
+          </a:stretch>
+        </p:blipFill>
+        <p:spPr>
+          <a:xfrm>
+            <a:off x="1485900" y="1646852"/>
+            <a:ext cx="6172200" cy="3995105"/>
+          </a:xfrm>
+          <a:prstGeom prst="rect">
+            <a:avLst/>
+          </a:prstGeom>
+        </p:spPr>
+      </p:pic>
+    </p:spTree>
+    <p:extLst>
+      <p:ext uri="{BB962C8B-B14F-4D97-AF65-F5344CB8AC3E}">
+        <p14:creationId xmlns:p14="http://schemas.microsoft.com/office/powerpoint/2010/main" val="3682409127"/>
+      </p:ext>
+    </p:extLst>
+  </p:cSld>
+  <p:clrMapOvr>
+    <a:masterClrMapping/>
+  </p:clrMapOvr>
+  <mc:AlternateContent xmlns:mc="http://schemas.openxmlformats.org/markup-compatibility/2006" xmlns:p14="http://schemas.microsoft.com/office/powerpoint/2010/main">
+    <mc:Choice Requires="p14">
+      <p:transition spd="slow" p14:dur="2000" advTm="12165"/>
+    </mc:Choice>
+    <mc:Fallback xmlns="">
+      <p:transition spd="slow" advTm="12165"/>
+    </mc:Fallback>
+  </mc:AlternateContent>
+</p:sld>
+</file>
+
+<file path=ppt/slides/slide37.xml><?xml version="1.0" encoding="utf-8"?>
+<p:sld xmlns:a="http://schemas.openxmlformats.org/drawingml/2006/main" xmlns:r="http://schemas.openxmlformats.org/officeDocument/2006/relationships" xmlns:p="http://schemas.openxmlformats.org/presentationml/2006/main">
+  <p:cSld>
+    <p:spTree>
+      <p:nvGrpSpPr>
+        <p:cNvPr id="1" name=""/>
+        <p:cNvGrpSpPr/>
+        <p:nvPr/>
+      </p:nvGrpSpPr>
+      <p:grpSpPr>
+        <a:xfrm>
+          <a:off x="0" y="0"/>
+          <a:ext cx="0" cy="0"/>
+          <a:chOff x="0" y="0"/>
+          <a:chExt cx="0" cy="0"/>
+        </a:xfrm>
+      </p:grpSpPr>
+      <p:sp>
+        <p:nvSpPr>
+          <p:cNvPr id="4098" name="3 Título">
+            <a:extLst>
+              <a:ext uri="{FF2B5EF4-FFF2-40B4-BE49-F238E27FC236}">
+                <a16:creationId xmlns:a16="http://schemas.microsoft.com/office/drawing/2014/main" id="{9CFA67AC-1DBD-4338-B4F5-A1E8C7800943}"/>
+              </a:ext>
+            </a:extLst>
+          </p:cNvPr>
+          <p:cNvSpPr>
+            <a:spLocks noGrp="1"/>
+          </p:cNvSpPr>
+          <p:nvPr>
+            <p:ph type="title"/>
+          </p:nvPr>
+        </p:nvSpPr>
+        <p:spPr>
+          <a:xfrm>
+            <a:off x="1485900" y="944166"/>
+            <a:ext cx="6172200" cy="857250"/>
+          </a:xfrm>
+        </p:spPr>
+        <p:txBody>
+          <a:bodyPr/>
+          <a:lstStyle/>
+          <a:p>
+            <a:pPr>
+              <a:lnSpc>
+                <a:spcPts val="3000"/>
+              </a:lnSpc>
+            </a:pPr>
+            <a:r>
+              <a:rPr lang="es-PE" altLang="es-PE" sz="2700" dirty="0">
+                <a:solidFill>
+                  <a:srgbClr val="18A8A4"/>
+                </a:solidFill>
+                <a:latin typeface="Century" panose="02040604050505020304" pitchFamily="18" charset="0"/>
+              </a:rPr>
+              <a:t>Resultados</a:t>
+            </a:r>
+          </a:p>
+        </p:txBody>
+      </p:sp>
+      <p:sp>
+        <p:nvSpPr>
+          <p:cNvPr id="6" name="3 Título">
+            <a:extLst>
+              <a:ext uri="{FF2B5EF4-FFF2-40B4-BE49-F238E27FC236}">
+                <a16:creationId xmlns:a16="http://schemas.microsoft.com/office/drawing/2014/main" id="{1C06D7BF-198C-4F86-A060-1AB2E350E11B}"/>
+              </a:ext>
+            </a:extLst>
+          </p:cNvPr>
+          <p:cNvSpPr txBox="1">
+            <a:spLocks/>
+          </p:cNvSpPr>
+          <p:nvPr/>
+        </p:nvSpPr>
+        <p:spPr>
+          <a:xfrm>
+            <a:off x="457200" y="115888"/>
+            <a:ext cx="8229600" cy="1143000"/>
+          </a:xfrm>
+          <a:prstGeom prst="rect">
+            <a:avLst/>
+          </a:prstGeom>
+        </p:spPr>
+        <p:txBody>
+          <a:bodyPr vert="horz" lIns="91440" tIns="45720" rIns="91440" bIns="45720" rtlCol="0" anchor="ctr">
+            <a:normAutofit/>
+          </a:bodyPr>
+          <a:lstStyle>
+            <a:lvl1pPr algn="l" defTabSz="914400" rtl="0" eaLnBrk="1" latinLnBrk="0" hangingPunct="1">
+              <a:lnSpc>
+                <a:spcPct val="90000"/>
+              </a:lnSpc>
+              <a:spcBef>
+                <a:spcPct val="0"/>
+              </a:spcBef>
+              <a:buNone/>
+              <a:defRPr sz="4400" kern="1200">
+                <a:solidFill>
+                  <a:schemeClr val="tx1"/>
+                </a:solidFill>
+                <a:latin typeface="+mj-lt"/>
+                <a:ea typeface="+mj-ea"/>
+                <a:cs typeface="+mj-cs"/>
+              </a:defRPr>
+            </a:lvl1pPr>
+          </a:lstStyle>
+          <a:p>
+            <a:pPr>
+              <a:lnSpc>
+                <a:spcPts val="4000"/>
+              </a:lnSpc>
+            </a:pPr>
+            <a:r>
+              <a:rPr lang="es-PE" altLang="es-PE" sz="3600" dirty="0">
+                <a:solidFill>
+                  <a:srgbClr val="18A8A4"/>
+                </a:solidFill>
+                <a:latin typeface="Century" panose="02040604050505020304" pitchFamily="18" charset="0"/>
+              </a:rPr>
+              <a:t>5. Modelos referenciales - resultados</a:t>
+            </a:r>
+          </a:p>
+        </p:txBody>
+      </p:sp>
+      <p:pic>
+        <p:nvPicPr>
+          <p:cNvPr id="3" name="Imagen 2">
+            <a:extLst>
+              <a:ext uri="{FF2B5EF4-FFF2-40B4-BE49-F238E27FC236}">
+                <a16:creationId xmlns:a16="http://schemas.microsoft.com/office/drawing/2014/main" id="{5934A8AC-2654-45A0-ABB3-8B5D0C6C9F0C}"/>
+              </a:ext>
+            </a:extLst>
+          </p:cNvPr>
+          <p:cNvPicPr>
+            <a:picLocks noChangeAspect="1"/>
+          </p:cNvPicPr>
+          <p:nvPr/>
+        </p:nvPicPr>
+        <p:blipFill>
+          <a:blip r:embed="rId2"/>
+          <a:stretch>
+            <a:fillRect/>
+          </a:stretch>
+        </p:blipFill>
+        <p:spPr>
+          <a:xfrm>
+            <a:off x="1749287" y="1801416"/>
+            <a:ext cx="5645426" cy="1283564"/>
+          </a:xfrm>
+          <a:prstGeom prst="rect">
+            <a:avLst/>
+          </a:prstGeom>
+        </p:spPr>
+      </p:pic>
+    </p:spTree>
+    <p:extLst>
+      <p:ext uri="{BB962C8B-B14F-4D97-AF65-F5344CB8AC3E}">
+        <p14:creationId xmlns:p14="http://schemas.microsoft.com/office/powerpoint/2010/main" val="497404361"/>
+      </p:ext>
+    </p:extLst>
+  </p:cSld>
+  <p:clrMapOvr>
+    <a:masterClrMapping/>
+  </p:clrMapOvr>
+  <mc:AlternateContent xmlns:mc="http://schemas.openxmlformats.org/markup-compatibility/2006" xmlns:p14="http://schemas.microsoft.com/office/powerpoint/2010/main">
+    <mc:Choice Requires="p14">
+      <p:transition spd="slow" p14:dur="2000" advTm="12165"/>
+    </mc:Choice>
+    <mc:Fallback xmlns="">
+      <p:transition spd="slow" advTm="12165"/>
+    </mc:Fallback>
+  </mc:AlternateContent>
+</p:sld>
+</file>
+
+<file path=ppt/slides/slide38.xml><?xml version="1.0" encoding="utf-8"?>
 <p:sld xmlns:a="http://schemas.openxmlformats.org/drawingml/2006/main" xmlns:r="http://schemas.openxmlformats.org/officeDocument/2006/relationships" xmlns:p="http://schemas.openxmlformats.org/presentationml/2006/main">
   <p:cSld>
     <p:bg>

--- a/Semana 07/Presentación/Presentación.pptx
+++ b/Semana 07/Presentación/Presentación.pptx
@@ -280,7 +280,7 @@
           <a:p>
             <a:fld id="{5B5008DF-D759-4FFC-AD8F-D1D104CCB964}" type="datetimeFigureOut">
               <a:rPr lang="es-PE" smtClean="0"/>
-              <a:t>28/04/2019</a:t>
+              <a:t>29/04/2019</a:t>
             </a:fld>
             <a:endParaRPr lang="es-PE"/>
           </a:p>
@@ -450,7 +450,7 @@
           <a:p>
             <a:fld id="{5B5008DF-D759-4FFC-AD8F-D1D104CCB964}" type="datetimeFigureOut">
               <a:rPr lang="es-PE" smtClean="0"/>
-              <a:t>28/04/2019</a:t>
+              <a:t>29/04/2019</a:t>
             </a:fld>
             <a:endParaRPr lang="es-PE"/>
           </a:p>
@@ -630,7 +630,7 @@
           <a:p>
             <a:fld id="{5B5008DF-D759-4FFC-AD8F-D1D104CCB964}" type="datetimeFigureOut">
               <a:rPr lang="es-PE" smtClean="0"/>
-              <a:t>28/04/2019</a:t>
+              <a:t>29/04/2019</a:t>
             </a:fld>
             <a:endParaRPr lang="es-PE"/>
           </a:p>
@@ -800,7 +800,7 @@
           <a:p>
             <a:fld id="{5B5008DF-D759-4FFC-AD8F-D1D104CCB964}" type="datetimeFigureOut">
               <a:rPr lang="es-PE" smtClean="0"/>
-              <a:t>28/04/2019</a:t>
+              <a:t>29/04/2019</a:t>
             </a:fld>
             <a:endParaRPr lang="es-PE"/>
           </a:p>
@@ -1044,7 +1044,7 @@
           <a:p>
             <a:fld id="{5B5008DF-D759-4FFC-AD8F-D1D104CCB964}" type="datetimeFigureOut">
               <a:rPr lang="es-PE" smtClean="0"/>
-              <a:t>28/04/2019</a:t>
+              <a:t>29/04/2019</a:t>
             </a:fld>
             <a:endParaRPr lang="es-PE"/>
           </a:p>
@@ -1276,7 +1276,7 @@
           <a:p>
             <a:fld id="{5B5008DF-D759-4FFC-AD8F-D1D104CCB964}" type="datetimeFigureOut">
               <a:rPr lang="es-PE" smtClean="0"/>
-              <a:t>28/04/2019</a:t>
+              <a:t>29/04/2019</a:t>
             </a:fld>
             <a:endParaRPr lang="es-PE"/>
           </a:p>
@@ -1643,7 +1643,7 @@
           <a:p>
             <a:fld id="{5B5008DF-D759-4FFC-AD8F-D1D104CCB964}" type="datetimeFigureOut">
               <a:rPr lang="es-PE" smtClean="0"/>
-              <a:t>28/04/2019</a:t>
+              <a:t>29/04/2019</a:t>
             </a:fld>
             <a:endParaRPr lang="es-PE"/>
           </a:p>
@@ -1761,7 +1761,7 @@
           <a:p>
             <a:fld id="{5B5008DF-D759-4FFC-AD8F-D1D104CCB964}" type="datetimeFigureOut">
               <a:rPr lang="es-PE" smtClean="0"/>
-              <a:t>28/04/2019</a:t>
+              <a:t>29/04/2019</a:t>
             </a:fld>
             <a:endParaRPr lang="es-PE"/>
           </a:p>
@@ -1856,7 +1856,7 @@
           <a:p>
             <a:fld id="{5B5008DF-D759-4FFC-AD8F-D1D104CCB964}" type="datetimeFigureOut">
               <a:rPr lang="es-PE" smtClean="0"/>
-              <a:t>28/04/2019</a:t>
+              <a:t>29/04/2019</a:t>
             </a:fld>
             <a:endParaRPr lang="es-PE"/>
           </a:p>
@@ -2133,7 +2133,7 @@
           <a:p>
             <a:fld id="{5B5008DF-D759-4FFC-AD8F-D1D104CCB964}" type="datetimeFigureOut">
               <a:rPr lang="es-PE" smtClean="0"/>
-              <a:t>28/04/2019</a:t>
+              <a:t>29/04/2019</a:t>
             </a:fld>
             <a:endParaRPr lang="es-PE"/>
           </a:p>
@@ -2390,7 +2390,7 @@
           <a:p>
             <a:fld id="{5B5008DF-D759-4FFC-AD8F-D1D104CCB964}" type="datetimeFigureOut">
               <a:rPr lang="es-PE" smtClean="0"/>
-              <a:t>28/04/2019</a:t>
+              <a:t>29/04/2019</a:t>
             </a:fld>
             <a:endParaRPr lang="es-PE"/>
           </a:p>
@@ -2612,7 +2612,7 @@
           <a:p>
             <a:fld id="{5B5008DF-D759-4FFC-AD8F-D1D104CCB964}" type="datetimeFigureOut">
               <a:rPr lang="es-PE" smtClean="0"/>
-              <a:t>28/04/2019</a:t>
+              <a:t>29/04/2019</a:t>
             </a:fld>
             <a:endParaRPr lang="es-PE"/>
           </a:p>
@@ -5819,14 +5819,16 @@
       </p:sp>
       <p:pic>
         <p:nvPicPr>
-          <p:cNvPr id="9" name="Imagen 8">
+          <p:cNvPr id="3" name="Imagen 2">
             <a:extLst>
               <a:ext uri="{FF2B5EF4-FFF2-40B4-BE49-F238E27FC236}">
-                <a16:creationId xmlns:a16="http://schemas.microsoft.com/office/drawing/2014/main" id="{0739D522-0924-443C-96D4-1F2F99A8224A}"/>
+                <a16:creationId xmlns:a16="http://schemas.microsoft.com/office/drawing/2014/main" id="{8B76728E-CBDD-44BB-B9A6-10FA165330A4}"/>
               </a:ext>
             </a:extLst>
           </p:cNvPr>
-          <p:cNvPicPr/>
+          <p:cNvPicPr>
+            <a:picLocks noChangeAspect="1"/>
+          </p:cNvPicPr>
           <p:nvPr/>
         </p:nvPicPr>
         <p:blipFill rotWithShape="1">
@@ -5837,21 +5839,17 @@
               </a:ext>
             </a:extLst>
           </a:blip>
-          <a:srcRect t="1" b="64064"/>
+          <a:srcRect b="64058"/>
           <a:stretch/>
         </p:blipFill>
-        <p:spPr bwMode="auto">
-          <a:xfrm>
-            <a:off x="854025" y="1914387"/>
-            <a:ext cx="7435950" cy="3532256"/>
+        <p:spPr>
+          <a:xfrm>
+            <a:off x="854025" y="1914386"/>
+            <a:ext cx="7431250" cy="3532255"/>
           </a:xfrm>
           <a:prstGeom prst="rect">
             <a:avLst/>
           </a:prstGeom>
-          <a:noFill/>
-          <a:ln>
-            <a:noFill/>
-          </a:ln>
         </p:spPr>
       </p:pic>
     </p:spTree>
@@ -6064,7 +6062,7 @@
         <p:spPr bwMode="auto">
           <a:xfrm>
             <a:off x="967409" y="2074714"/>
-            <a:ext cx="4465982" cy="4296388"/>
+            <a:ext cx="4386469" cy="4219894"/>
           </a:xfrm>
           <a:prstGeom prst="rect">
             <a:avLst/>
@@ -6286,7 +6284,15 @@
           <a:p>
             <a:r>
               <a:rPr lang="es-PE" dirty="0"/>
-              <a:t>2. Marco abierto de lectura (longitud y ratio con respecto a la longitud del transcrito)</a:t>
+              <a:t>2. CPAT</a:t>
+            </a:r>
+            <a:r>
+              <a:rPr lang="es-PE" baseline="30000" dirty="0"/>
+              <a:t>1</a:t>
+            </a:r>
+            <a:r>
+              <a:rPr lang="es-PE" dirty="0"/>
+              <a:t> – Marco abierto de lectura (longitud y ratio con respecto a la longitud del transcrito)</a:t>
             </a:r>
           </a:p>
         </p:txBody>
@@ -6320,8 +6326,8 @@
         </p:blipFill>
         <p:spPr bwMode="auto">
           <a:xfrm>
-            <a:off x="1086680" y="2342609"/>
-            <a:ext cx="4293436" cy="4028493"/>
+            <a:off x="967409" y="2342609"/>
+            <a:ext cx="4018201" cy="3770242"/>
           </a:xfrm>
           <a:prstGeom prst="rect">
             <a:avLst/>
@@ -6366,7 +6372,7 @@
           <a:graphicData uri="http://schemas.openxmlformats.org/presentationml/2006/ole">
             <mc:AlternateContent xmlns:mc="http://schemas.openxmlformats.org/markup-compatibility/2006">
               <mc:Choice xmlns:v="urn:schemas-microsoft-com:vml" Requires="v">
-                <p:oleObj spid="_x0000_s3098" name="Worksheet" r:id="rId4" imgW="2952850" imgH="1343131" progId="Excel.Sheet.12">
+                <p:oleObj spid="_x0000_s3103" name="Worksheet" r:id="rId4" imgW="2952850" imgH="1343131" progId="Excel.Sheet.12">
                   <p:embed/>
                 </p:oleObj>
               </mc:Choice>
@@ -6401,6 +6407,48 @@
           </a:graphicData>
         </a:graphic>
       </p:graphicFrame>
+      <p:sp>
+        <p:nvSpPr>
+          <p:cNvPr id="7" name="CuadroTexto 6">
+            <a:extLst>
+              <a:ext uri="{FF2B5EF4-FFF2-40B4-BE49-F238E27FC236}">
+                <a16:creationId xmlns:a16="http://schemas.microsoft.com/office/drawing/2014/main" id="{2DA50376-CAE9-430E-A127-F3018A34E672}"/>
+              </a:ext>
+            </a:extLst>
+          </p:cNvPr>
+          <p:cNvSpPr txBox="1"/>
+          <p:nvPr/>
+        </p:nvSpPr>
+        <p:spPr>
+          <a:xfrm>
+            <a:off x="967409" y="6145982"/>
+            <a:ext cx="5387008" cy="307777"/>
+          </a:xfrm>
+          <a:prstGeom prst="rect">
+            <a:avLst/>
+          </a:prstGeom>
+          <a:noFill/>
+        </p:spPr>
+        <p:txBody>
+          <a:bodyPr wrap="square" rtlCol="0">
+            <a:spAutoFit/>
+          </a:bodyPr>
+          <a:lstStyle/>
+          <a:p>
+            <a:r>
+              <a:rPr lang="es-PE" sz="1400" dirty="0"/>
+              <a:t>(1) </a:t>
+            </a:r>
+            <a:r>
+              <a:rPr lang="es-PE" sz="1400" dirty="0">
+                <a:hlinkClick r:id="rId6"/>
+              </a:rPr>
+              <a:t>http://rna-cpat.sourceforge.net/</a:t>
+            </a:r>
+            <a:endParaRPr lang="es-PE" sz="1400" dirty="0"/>
+          </a:p>
+        </p:txBody>
+      </p:sp>
     </p:spTree>
     <p:extLst>
       <p:ext uri="{BB962C8B-B14F-4D97-AF65-F5344CB8AC3E}">
@@ -6656,7 +6704,7 @@
           <a:graphicData uri="http://schemas.openxmlformats.org/presentationml/2006/ole">
             <mc:AlternateContent xmlns:mc="http://schemas.openxmlformats.org/markup-compatibility/2006">
               <mc:Choice xmlns:v="urn:schemas-microsoft-com:vml" Requires="v">
-                <p:oleObj spid="_x0000_s1052" name="Worksheet" r:id="rId4" imgW="2952850" imgH="1343131" progId="Excel.Sheet.12">
+                <p:oleObj spid="_x0000_s1057" name="Worksheet" r:id="rId4" imgW="2952850" imgH="1343131" progId="Excel.Sheet.12">
                   <p:embed/>
                 </p:oleObj>
               </mc:Choice>
@@ -6951,7 +6999,7 @@
           <a:graphicData uri="http://schemas.openxmlformats.org/presentationml/2006/ole">
             <mc:AlternateContent xmlns:mc="http://schemas.openxmlformats.org/markup-compatibility/2006">
               <mc:Choice xmlns:v="urn:schemas-microsoft-com:vml" Requires="v">
-                <p:oleObj spid="_x0000_s2077" name="Worksheet" r:id="rId4" imgW="2952850" imgH="1343131" progId="Excel.Sheet.12">
+                <p:oleObj spid="_x0000_s2082" name="Worksheet" r:id="rId4" imgW="2952850" imgH="1343131" progId="Excel.Sheet.12">
                   <p:embed/>
                 </p:oleObj>
               </mc:Choice>
@@ -7475,7 +7523,7 @@
           <a:graphicData uri="http://schemas.openxmlformats.org/presentationml/2006/ole">
             <mc:AlternateContent xmlns:mc="http://schemas.openxmlformats.org/markup-compatibility/2006">
               <mc:Choice xmlns:v="urn:schemas-microsoft-com:vml" Requires="v">
-                <p:oleObj spid="_x0000_s4120" name="Worksheet" r:id="rId4" imgW="2952850" imgH="1343131" progId="Excel.Sheet.12">
+                <p:oleObj spid="_x0000_s4125" name="Worksheet" r:id="rId4" imgW="2952850" imgH="1343131" progId="Excel.Sheet.12">
                   <p:embed/>
                 </p:oleObj>
               </mc:Choice>
@@ -7685,11 +7733,11 @@
           <a:p>
             <a:r>
               <a:rPr lang="es-PE" dirty="0"/>
-              <a:t>6. </a:t>
-            </a:r>
-            <a:r>
-              <a:rPr lang="es-PE" dirty="0" err="1"/>
-              <a:t>Diamond</a:t>
+              <a:t>6. Diamond</a:t>
+            </a:r>
+            <a:r>
+              <a:rPr lang="es-PE" baseline="30000" dirty="0"/>
+              <a:t>2</a:t>
             </a:r>
             <a:r>
               <a:rPr lang="es-PE" dirty="0"/>
@@ -7773,7 +7821,7 @@
           <a:graphicData uri="http://schemas.openxmlformats.org/presentationml/2006/ole">
             <mc:AlternateContent xmlns:mc="http://schemas.openxmlformats.org/markup-compatibility/2006">
               <mc:Choice xmlns:v="urn:schemas-microsoft-com:vml" Requires="v">
-                <p:oleObj spid="_x0000_s5141" name="Worksheet" r:id="rId4" imgW="2952850" imgH="1343131" progId="Excel.Sheet.12">
+                <p:oleObj spid="_x0000_s5146" name="Worksheet" r:id="rId4" imgW="2952850" imgH="1343131" progId="Excel.Sheet.12">
                   <p:embed/>
                 </p:oleObj>
               </mc:Choice>
@@ -7808,6 +7856,48 @@
           </a:graphicData>
         </a:graphic>
       </p:graphicFrame>
+      <p:sp>
+        <p:nvSpPr>
+          <p:cNvPr id="7" name="CuadroTexto 6">
+            <a:extLst>
+              <a:ext uri="{FF2B5EF4-FFF2-40B4-BE49-F238E27FC236}">
+                <a16:creationId xmlns:a16="http://schemas.microsoft.com/office/drawing/2014/main" id="{4B004274-A95C-453C-A493-86247048330E}"/>
+              </a:ext>
+            </a:extLst>
+          </p:cNvPr>
+          <p:cNvSpPr txBox="1"/>
+          <p:nvPr/>
+        </p:nvSpPr>
+        <p:spPr>
+          <a:xfrm>
+            <a:off x="967409" y="6145982"/>
+            <a:ext cx="5387008" cy="307777"/>
+          </a:xfrm>
+          <a:prstGeom prst="rect">
+            <a:avLst/>
+          </a:prstGeom>
+          <a:noFill/>
+        </p:spPr>
+        <p:txBody>
+          <a:bodyPr wrap="square" rtlCol="0">
+            <a:spAutoFit/>
+          </a:bodyPr>
+          <a:lstStyle/>
+          <a:p>
+            <a:r>
+              <a:rPr lang="es-PE" sz="1400" dirty="0"/>
+              <a:t>(2) </a:t>
+            </a:r>
+            <a:r>
+              <a:rPr lang="es-PE" sz="1400" dirty="0">
+                <a:hlinkClick r:id="rId6"/>
+              </a:rPr>
+              <a:t>https://github.com/bbuchfink/diamond</a:t>
+            </a:r>
+            <a:endParaRPr lang="es-PE" sz="1400" dirty="0"/>
+          </a:p>
+        </p:txBody>
+      </p:sp>
     </p:spTree>
     <p:extLst>
       <p:ext uri="{BB962C8B-B14F-4D97-AF65-F5344CB8AC3E}">
@@ -8071,7 +8161,7 @@
           <a:graphicData uri="http://schemas.openxmlformats.org/presentationml/2006/ole">
             <mc:AlternateContent xmlns:mc="http://schemas.openxmlformats.org/markup-compatibility/2006">
               <mc:Choice xmlns:v="urn:schemas-microsoft-com:vml" Requires="v">
-                <p:oleObj spid="_x0000_s6161" name="Worksheet" r:id="rId4" imgW="2952850" imgH="1343131" progId="Excel.Sheet.12">
+                <p:oleObj spid="_x0000_s6166" name="Worksheet" r:id="rId4" imgW="2952850" imgH="1343131" progId="Excel.Sheet.12">
                   <p:embed/>
                 </p:oleObj>
               </mc:Choice>
@@ -8369,7 +8459,7 @@
           <a:graphicData uri="http://schemas.openxmlformats.org/presentationml/2006/ole">
             <mc:AlternateContent xmlns:mc="http://schemas.openxmlformats.org/markup-compatibility/2006">
               <mc:Choice xmlns:v="urn:schemas-microsoft-com:vml" Requires="v">
-                <p:oleObj spid="_x0000_s7183" name="Worksheet" r:id="rId4" imgW="2952850" imgH="1343131" progId="Excel.Sheet.12">
+                <p:oleObj spid="_x0000_s7188" name="Worksheet" r:id="rId4" imgW="2952850" imgH="1343131" progId="Excel.Sheet.12">
                   <p:embed/>
                 </p:oleObj>
               </mc:Choice>
@@ -8667,7 +8757,7 @@
           <a:graphicData uri="http://schemas.openxmlformats.org/presentationml/2006/ole">
             <mc:AlternateContent xmlns:mc="http://schemas.openxmlformats.org/markup-compatibility/2006">
               <mc:Choice xmlns:v="urn:schemas-microsoft-com:vml" Requires="v">
-                <p:oleObj spid="_x0000_s8206" name="Worksheet" r:id="rId4" imgW="2952850" imgH="1343131" progId="Excel.Sheet.12">
+                <p:oleObj spid="_x0000_s8211" name="Worksheet" r:id="rId4" imgW="2952850" imgH="1343131" progId="Excel.Sheet.12">
                   <p:embed/>
                 </p:oleObj>
               </mc:Choice>
@@ -9117,6 +9207,62 @@
           </a:prstGeom>
         </p:spPr>
       </p:pic>
+      <p:sp>
+        <p:nvSpPr>
+          <p:cNvPr id="5" name="CuadroTexto 4">
+            <a:extLst>
+              <a:ext uri="{FF2B5EF4-FFF2-40B4-BE49-F238E27FC236}">
+                <a16:creationId xmlns:a16="http://schemas.microsoft.com/office/drawing/2014/main" id="{0347B947-DBB8-45CA-ADF7-28560F5A3C98}"/>
+              </a:ext>
+            </a:extLst>
+          </p:cNvPr>
+          <p:cNvSpPr txBox="1"/>
+          <p:nvPr/>
+        </p:nvSpPr>
+        <p:spPr>
+          <a:xfrm>
+            <a:off x="878572" y="5874078"/>
+            <a:ext cx="7719391" cy="523220"/>
+          </a:xfrm>
+          <a:prstGeom prst="rect">
+            <a:avLst/>
+          </a:prstGeom>
+          <a:noFill/>
+        </p:spPr>
+        <p:txBody>
+          <a:bodyPr wrap="square" rtlCol="0">
+            <a:spAutoFit/>
+          </a:bodyPr>
+          <a:lstStyle/>
+          <a:p>
+            <a:r>
+              <a:rPr lang="es-PE" sz="1400" dirty="0"/>
+              <a:t>Tomado de </a:t>
+            </a:r>
+            <a:r>
+              <a:rPr lang="es-PE" sz="1400" dirty="0">
+                <a:hlinkClick r:id="rId3"/>
+              </a:rPr>
+              <a:t>https://www.uniprot.org/uniprot/?</a:t>
+            </a:r>
+          </a:p>
+          <a:p>
+            <a:r>
+              <a:rPr lang="es-PE" sz="1400" dirty="0" err="1">
+                <a:hlinkClick r:id="rId3"/>
+              </a:rPr>
+              <a:t>query</a:t>
+            </a:r>
+            <a:r>
+              <a:rPr lang="es-PE" sz="1400" dirty="0">
+                <a:hlinkClick r:id="rId3"/>
+              </a:rPr>
+              <a:t>=%20taxonomy:viridiplantae&amp;fil=reviewed%3Ayes&amp;sort=score</a:t>
+            </a:r>
+            <a:endParaRPr lang="es-PE" sz="1400" dirty="0"/>
+          </a:p>
+        </p:txBody>
+      </p:sp>
     </p:spTree>
     <p:extLst>
       <p:ext uri="{BB962C8B-B14F-4D97-AF65-F5344CB8AC3E}">
@@ -12028,12 +12174,59 @@
         </p:blipFill>
         <p:spPr>
           <a:xfrm>
-            <a:off x="1749287" y="1801416"/>
-            <a:ext cx="5645426" cy="1283564"/>
+            <a:off x="2389532" y="1637267"/>
+            <a:ext cx="4364935" cy="992427"/>
           </a:xfrm>
           <a:prstGeom prst="rect">
             <a:avLst/>
           </a:prstGeom>
+        </p:spPr>
+      </p:pic>
+      <p:pic>
+        <p:nvPicPr>
+          <p:cNvPr id="10242" name="Picture 2">
+            <a:extLst>
+              <a:ext uri="{FF2B5EF4-FFF2-40B4-BE49-F238E27FC236}">
+                <a16:creationId xmlns:a16="http://schemas.microsoft.com/office/drawing/2014/main" id="{7C522536-B028-41C0-99CF-5F2A09433E34}"/>
+              </a:ext>
+            </a:extLst>
+          </p:cNvPr>
+          <p:cNvPicPr>
+            <a:picLocks noChangeAspect="1" noChangeArrowheads="1"/>
+          </p:cNvPicPr>
+          <p:nvPr/>
+        </p:nvPicPr>
+        <p:blipFill>
+          <a:blip r:embed="rId3">
+            <a:extLst>
+              <a:ext uri="{28A0092B-C50C-407E-A947-70E740481C1C}">
+                <a14:useLocalDpi xmlns:a14="http://schemas.microsoft.com/office/drawing/2010/main" val="0"/>
+              </a:ext>
+            </a:extLst>
+          </a:blip>
+          <a:srcRect/>
+          <a:stretch>
+            <a:fillRect/>
+          </a:stretch>
+        </p:blipFill>
+        <p:spPr bwMode="auto">
+          <a:xfrm>
+            <a:off x="1749286" y="2629694"/>
+            <a:ext cx="5645426" cy="3733983"/>
+          </a:xfrm>
+          <a:prstGeom prst="rect">
+            <a:avLst/>
+          </a:prstGeom>
+          <a:noFill/>
+          <a:extLst>
+            <a:ext uri="{909E8E84-426E-40DD-AFC4-6F175D3DCCD1}">
+              <a14:hiddenFill xmlns:a14="http://schemas.microsoft.com/office/drawing/2010/main">
+                <a:solidFill>
+                  <a:srgbClr val="FFFFFF"/>
+                </a:solidFill>
+              </a14:hiddenFill>
+            </a:ext>
+          </a:extLst>
         </p:spPr>
       </p:pic>
     </p:spTree>
